--- a/presentation/final_presentation_group_velopt.pptx
+++ b/presentation/final_presentation_group_velopt.pptx
@@ -292,7 +292,7 @@
           <a:p>
             <a:fld id="{E61FFE38-17AB-48D8-8B4E-4CFAA1F89B2C}" type="datetimeFigureOut">
               <a:rPr lang="de-AT" smtClean="0"/>
-              <a:t>22.01.2013</a:t>
+              <a:t>23.01.2013</a:t>
             </a:fld>
             <a:endParaRPr lang="de-AT"/>
           </a:p>
@@ -462,7 +462,7 @@
           <a:p>
             <a:fld id="{E61FFE38-17AB-48D8-8B4E-4CFAA1F89B2C}" type="datetimeFigureOut">
               <a:rPr lang="de-AT" smtClean="0"/>
-              <a:t>22.01.2013</a:t>
+              <a:t>23.01.2013</a:t>
             </a:fld>
             <a:endParaRPr lang="de-AT"/>
           </a:p>
@@ -642,7 +642,7 @@
           <a:p>
             <a:fld id="{E61FFE38-17AB-48D8-8B4E-4CFAA1F89B2C}" type="datetimeFigureOut">
               <a:rPr lang="de-AT" smtClean="0"/>
-              <a:t>22.01.2013</a:t>
+              <a:t>23.01.2013</a:t>
             </a:fld>
             <a:endParaRPr lang="de-AT"/>
           </a:p>
@@ -812,7 +812,7 @@
           <a:p>
             <a:fld id="{E61FFE38-17AB-48D8-8B4E-4CFAA1F89B2C}" type="datetimeFigureOut">
               <a:rPr lang="de-AT" smtClean="0"/>
-              <a:t>22.01.2013</a:t>
+              <a:t>23.01.2013</a:t>
             </a:fld>
             <a:endParaRPr lang="de-AT"/>
           </a:p>
@@ -1058,7 +1058,7 @@
           <a:p>
             <a:fld id="{E61FFE38-17AB-48D8-8B4E-4CFAA1F89B2C}" type="datetimeFigureOut">
               <a:rPr lang="de-AT" smtClean="0"/>
-              <a:t>22.01.2013</a:t>
+              <a:t>23.01.2013</a:t>
             </a:fld>
             <a:endParaRPr lang="de-AT"/>
           </a:p>
@@ -1346,7 +1346,7 @@
           <a:p>
             <a:fld id="{E61FFE38-17AB-48D8-8B4E-4CFAA1F89B2C}" type="datetimeFigureOut">
               <a:rPr lang="de-AT" smtClean="0"/>
-              <a:t>22.01.2013</a:t>
+              <a:t>23.01.2013</a:t>
             </a:fld>
             <a:endParaRPr lang="de-AT"/>
           </a:p>
@@ -1768,7 +1768,7 @@
           <a:p>
             <a:fld id="{E61FFE38-17AB-48D8-8B4E-4CFAA1F89B2C}" type="datetimeFigureOut">
               <a:rPr lang="de-AT" smtClean="0"/>
-              <a:t>22.01.2013</a:t>
+              <a:t>23.01.2013</a:t>
             </a:fld>
             <a:endParaRPr lang="de-AT"/>
           </a:p>
@@ -1886,7 +1886,7 @@
           <a:p>
             <a:fld id="{E61FFE38-17AB-48D8-8B4E-4CFAA1F89B2C}" type="datetimeFigureOut">
               <a:rPr lang="de-AT" smtClean="0"/>
-              <a:t>22.01.2013</a:t>
+              <a:t>23.01.2013</a:t>
             </a:fld>
             <a:endParaRPr lang="de-AT"/>
           </a:p>
@@ -1981,7 +1981,7 @@
           <a:p>
             <a:fld id="{E61FFE38-17AB-48D8-8B4E-4CFAA1F89B2C}" type="datetimeFigureOut">
               <a:rPr lang="de-AT" smtClean="0"/>
-              <a:t>22.01.2013</a:t>
+              <a:t>23.01.2013</a:t>
             </a:fld>
             <a:endParaRPr lang="de-AT"/>
           </a:p>
@@ -2258,7 +2258,7 @@
           <a:p>
             <a:fld id="{E61FFE38-17AB-48D8-8B4E-4CFAA1F89B2C}" type="datetimeFigureOut">
               <a:rPr lang="de-AT" smtClean="0"/>
-              <a:t>22.01.2013</a:t>
+              <a:t>23.01.2013</a:t>
             </a:fld>
             <a:endParaRPr lang="de-AT"/>
           </a:p>
@@ -2511,7 +2511,7 @@
           <a:p>
             <a:fld id="{E61FFE38-17AB-48D8-8B4E-4CFAA1F89B2C}" type="datetimeFigureOut">
               <a:rPr lang="de-AT" smtClean="0"/>
-              <a:t>22.01.2013</a:t>
+              <a:t>23.01.2013</a:t>
             </a:fld>
             <a:endParaRPr lang="de-AT"/>
           </a:p>
@@ -2724,7 +2724,7 @@
           <a:p>
             <a:fld id="{E61FFE38-17AB-48D8-8B4E-4CFAA1F89B2C}" type="datetimeFigureOut">
               <a:rPr lang="de-AT" smtClean="0"/>
-              <a:t>22.01.2013</a:t>
+              <a:t>23.01.2013</a:t>
             </a:fld>
             <a:endParaRPr lang="de-AT"/>
           </a:p>
@@ -3439,6 +3439,13 @@
   <p:clrMapOvr>
     <a:masterClrMapping/>
   </p:clrMapOvr>
+  <p:timing>
+    <p:tnLst>
+      <p:par>
+        <p:cTn id="1" dur="indefinite" restart="never" nodeType="tmRoot"/>
+      </p:par>
+    </p:tnLst>
+  </p:timing>
 </p:sld>
 </file>
 
@@ -3637,6 +3644,13 @@
   <p:clrMapOvr>
     <a:masterClrMapping/>
   </p:clrMapOvr>
+  <p:timing>
+    <p:tnLst>
+      <p:par>
+        <p:cTn id="1" dur="indefinite" restart="never" nodeType="tmRoot"/>
+      </p:par>
+    </p:tnLst>
+  </p:timing>
 </p:sld>
 </file>
 
@@ -3724,7 +3738,6 @@
               <a:rPr lang="de-AT" sz="2400" dirty="0" smtClean="0"/>
               <a:t>:</a:t>
             </a:r>
-            <a:endParaRPr lang="de-AT" sz="2400" dirty="0" smtClean="0"/>
           </a:p>
           <a:p>
             <a:pPr marL="0" indent="0">
@@ -3999,6 +4012,13 @@
   <p:clrMapOvr>
     <a:masterClrMapping/>
   </p:clrMapOvr>
+  <p:timing>
+    <p:tnLst>
+      <p:par>
+        <p:cTn id="1" dur="indefinite" restart="never" nodeType="tmRoot"/>
+      </p:par>
+    </p:tnLst>
+  </p:timing>
 </p:sld>
 </file>
 
@@ -4058,8 +4078,8 @@
           </a:p>
         </p:txBody>
       </p:sp>
-      <mc:AlternateContent xmlns:mc="http://schemas.openxmlformats.org/markup-compatibility/2006">
-        <mc:Choice xmlns:a14="http://schemas.microsoft.com/office/drawing/2010/main" Requires="a14">
+      <mc:AlternateContent xmlns:mc="http://schemas.openxmlformats.org/markup-compatibility/2006" xmlns:a14="http://schemas.microsoft.com/office/drawing/2010/main">
+        <mc:Choice Requires="a14">
           <p:sp>
             <p:nvSpPr>
               <p:cNvPr id="6" name="Inhaltsplatzhalter 5"/>
@@ -4486,7 +4506,7 @@
             </p:txBody>
           </p:sp>
         </mc:Choice>
-        <mc:Fallback>
+        <mc:Fallback xmlns="">
           <p:sp>
             <p:nvSpPr>
               <p:cNvPr id="6" name="Inhaltsplatzhalter 5"/>
@@ -4592,6 +4612,75 @@
                         </m:sSubPr>
                         <m:e>
                           <m:r>
+                            <a:rPr lang="de-AT" sz="2400" i="1">
+                              <a:latin typeface="Cambria Math"/>
+                            </a:rPr>
+                            <m:t>h</m:t>
+                          </m:r>
+                        </m:e>
+                        <m:sub>
+                          <m:r>
+                            <a:rPr lang="de-AT" sz="2400" i="1">
+                              <a:latin typeface="Cambria Math"/>
+                            </a:rPr>
+                            <m:t>1,2,3</m:t>
+                          </m:r>
+                        </m:sub>
+                      </m:sSub>
+                      <m:r>
+                        <a:rPr lang="de-AT" sz="2400" i="1">
+                          <a:latin typeface="Cambria Math"/>
+                          <a:ea typeface="Cambria Math"/>
+                        </a:rPr>
+                        <m:t>≥</m:t>
+                      </m:r>
+                      <m:r>
+                        <a:rPr lang="de-AT" sz="2400" i="1">
+                          <a:latin typeface="Cambria Math"/>
+                        </a:rPr>
+                        <m:t>3 </m:t>
+                      </m:r>
+                      <m:r>
+                        <a:rPr lang="de-AT" sz="2400" i="1">
+                          <a:latin typeface="Cambria Math"/>
+                        </a:rPr>
+                        <m:t>𝑐𝑚</m:t>
+                      </m:r>
+                    </m:oMath>
+                  </m:oMathPara>
+                </a14:m>
+                <a:endParaRPr lang="de-AT" sz="2400" dirty="0">
+                  <a:ea typeface="Cambria Math"/>
+                </a:endParaRPr>
+              </a:p>
+              <a:p>
+                <a:pPr marL="0" indent="0">
+                  <a:buNone/>
+                </a:pPr>
+                <a:endParaRPr lang="de-AT" sz="2400" i="1" dirty="0" smtClean="0">
+                  <a:latin typeface="Cambria Math"/>
+                </a:endParaRPr>
+              </a:p>
+              <a:p>
+                <a:pPr marL="0" indent="0">
+                  <a:buNone/>
+                </a:pPr>
+                <a14:m>
+                  <m:oMathPara xmlns:m="http://schemas.openxmlformats.org/officeDocument/2006/math">
+                    <m:oMathParaPr>
+                      <m:jc m:val="centerGroup"/>
+                    </m:oMathParaPr>
+                    <m:oMath xmlns:m="http://schemas.openxmlformats.org/officeDocument/2006/math">
+                      <m:sSub>
+                        <m:sSubPr>
+                          <m:ctrlPr>
+                            <a:rPr lang="de-AT" sz="2400" i="1">
+                              <a:latin typeface="Cambria Math"/>
+                            </a:rPr>
+                          </m:ctrlPr>
+                        </m:sSubPr>
+                        <m:e>
+                          <m:r>
                             <a:rPr lang="de-AT" sz="2400" b="0" i="1" smtClean="0">
                               <a:latin typeface="Cambria Math"/>
                             </a:rPr>
@@ -4648,75 +4737,6 @@
                           </m:r>
                         </m:den>
                       </m:f>
-                    </m:oMath>
-                  </m:oMathPara>
-                </a14:m>
-                <a:endParaRPr lang="de-AT" sz="2400" dirty="0" smtClean="0">
-                  <a:ea typeface="Cambria Math"/>
-                </a:endParaRPr>
-              </a:p>
-              <a:p>
-                <a:pPr marL="0" indent="0">
-                  <a:buNone/>
-                </a:pPr>
-                <a:endParaRPr lang="de-AT" sz="2400" dirty="0" smtClean="0">
-                  <a:ea typeface="Cambria Math"/>
-                </a:endParaRPr>
-              </a:p>
-              <a:p>
-                <a:pPr marL="0" indent="0">
-                  <a:buNone/>
-                </a:pPr>
-                <a14:m>
-                  <m:oMathPara xmlns:m="http://schemas.openxmlformats.org/officeDocument/2006/math">
-                    <m:oMathParaPr>
-                      <m:jc m:val="centerGroup"/>
-                    </m:oMathParaPr>
-                    <m:oMath xmlns:m="http://schemas.openxmlformats.org/officeDocument/2006/math">
-                      <m:sSub>
-                        <m:sSubPr>
-                          <m:ctrlPr>
-                            <a:rPr lang="de-AT" sz="2400" i="1">
-                              <a:latin typeface="Cambria Math"/>
-                            </a:rPr>
-                          </m:ctrlPr>
-                        </m:sSubPr>
-                        <m:e>
-                          <m:r>
-                            <a:rPr lang="de-AT" sz="2400" b="0" i="1" smtClean="0">
-                              <a:latin typeface="Cambria Math"/>
-                            </a:rPr>
-                            <m:t>h</m:t>
-                          </m:r>
-                        </m:e>
-                        <m:sub>
-                          <m:r>
-                            <a:rPr lang="de-AT" sz="2400" b="0" i="1" smtClean="0">
-                              <a:latin typeface="Cambria Math"/>
-                            </a:rPr>
-                            <m:t>𝑖</m:t>
-                          </m:r>
-                        </m:sub>
-                      </m:sSub>
-                      <m:r>
-                        <a:rPr lang="de-AT" sz="2400" b="0" i="1" smtClean="0">
-                          <a:latin typeface="Cambria Math"/>
-                          <a:ea typeface="Cambria Math"/>
-                        </a:rPr>
-                        <m:t>&gt;</m:t>
-                      </m:r>
-                      <m:r>
-                        <a:rPr lang="de-AT" sz="2400" b="0" i="1" smtClean="0">
-                          <a:latin typeface="Cambria Math"/>
-                        </a:rPr>
-                        <m:t>3 </m:t>
-                      </m:r>
-                      <m:r>
-                        <a:rPr lang="de-AT" sz="2400" b="0" i="1" smtClean="0">
-                          <a:latin typeface="Cambria Math"/>
-                        </a:rPr>
-                        <m:t>𝑐𝑚</m:t>
-                      </m:r>
                     </m:oMath>
                   </m:oMathPara>
                 </a14:m>
@@ -4973,6 +4993,13 @@
   <p:clrMapOvr>
     <a:masterClrMapping/>
   </p:clrMapOvr>
+  <p:timing>
+    <p:tnLst>
+      <p:par>
+        <p:cTn id="1" dur="indefinite" restart="never" nodeType="tmRoot"/>
+      </p:par>
+    </p:tnLst>
+  </p:timing>
 </p:sld>
 </file>
 
@@ -5034,7 +5061,7 @@
         </p:spPr>
         <p:txBody>
           <a:bodyPr>
-            <a:normAutofit/>
+            <a:normAutofit lnSpcReduction="10000"/>
           </a:bodyPr>
           <a:lstStyle/>
           <a:p>
@@ -5071,12 +5098,8 @@
               <a:buChar char="-"/>
             </a:pPr>
             <a:r>
-              <a:rPr lang="de-AT" sz="2400" dirty="0" err="1"/>
-              <a:t>O</a:t>
-            </a:r>
-            <a:r>
-              <a:rPr lang="de-AT" sz="2400" dirty="0" err="1" smtClean="0"/>
-              <a:t>ptimized</a:t>
+              <a:rPr lang="de-AT" sz="2400" dirty="0" err="1" smtClean="0"/>
+              <a:t>Optimizing</a:t>
             </a:r>
             <a:r>
               <a:rPr lang="de-AT" sz="2400" dirty="0" smtClean="0"/>
@@ -5133,6 +5156,46 @@
             <a:r>
               <a:rPr lang="de-AT" sz="2400" dirty="0" err="1" smtClean="0"/>
               <a:t>minimum</a:t>
+            </a:r>
+            <a:r>
+              <a:rPr lang="de-AT" sz="2400" dirty="0"/>
+              <a:t> </a:t>
+            </a:r>
+            <a:r>
+              <a:rPr lang="de-AT" sz="2400" dirty="0" err="1" smtClean="0"/>
+              <a:t>and</a:t>
+            </a:r>
+            <a:r>
+              <a:rPr lang="de-AT" sz="2400" dirty="0" smtClean="0"/>
+              <a:t> </a:t>
+            </a:r>
+            <a:r>
+              <a:rPr lang="de-AT" sz="2400" dirty="0" err="1" smtClean="0"/>
+              <a:t>concrete</a:t>
+            </a:r>
+            <a:r>
+              <a:rPr lang="de-AT" sz="2400" dirty="0" smtClean="0"/>
+              <a:t> </a:t>
+            </a:r>
+            <a:r>
+              <a:rPr lang="de-AT" sz="2400" dirty="0" err="1" smtClean="0"/>
+              <a:t>goes</a:t>
+            </a:r>
+            <a:r>
+              <a:rPr lang="de-AT" sz="2400" dirty="0" smtClean="0"/>
+              <a:t> </a:t>
+            </a:r>
+            <a:r>
+              <a:rPr lang="de-AT" sz="2400" dirty="0" err="1" smtClean="0"/>
+              <a:t>to</a:t>
+            </a:r>
+            <a:r>
+              <a:rPr lang="de-AT" sz="2400" dirty="0" smtClean="0"/>
+              <a:t> a </a:t>
+            </a:r>
+            <a:r>
+              <a:rPr lang="de-AT" sz="2400" dirty="0" err="1" smtClean="0"/>
+              <a:t>maximum</a:t>
             </a:r>
             <a:endParaRPr lang="de-AT" sz="2400" dirty="0" smtClean="0"/>
           </a:p>
@@ -5218,8 +5281,16 @@
               <a:t>than</a:t>
             </a:r>
             <a:r>
+              <a:rPr lang="de-AT" sz="2400"/>
+              <a:t> </a:t>
+            </a:r>
+            <a:r>
+              <a:rPr lang="de-AT" sz="2400" smtClean="0"/>
+              <a:t>80€</a:t>
+            </a:r>
+            <a:r>
               <a:rPr lang="de-AT" sz="2400" dirty="0"/>
-              <a:t> 45€/m³ </a:t>
+              <a:t>/m³ </a:t>
             </a:r>
             <a:r>
               <a:rPr lang="de-AT" sz="2400" dirty="0" err="1"/>
@@ -5264,12 +5335,8 @@
               <a:buChar char="-"/>
             </a:pPr>
             <a:r>
-              <a:rPr lang="de-AT" sz="2400" dirty="0" err="1"/>
-              <a:t>O</a:t>
-            </a:r>
-            <a:r>
-              <a:rPr lang="de-AT" sz="2400" dirty="0" err="1" smtClean="0"/>
-              <a:t>ptimized</a:t>
+              <a:rPr lang="de-AT" sz="2400" dirty="0" err="1" smtClean="0"/>
+              <a:t>Optimizing</a:t>
             </a:r>
             <a:r>
               <a:rPr lang="de-AT" sz="2400" dirty="0" smtClean="0"/>
@@ -5334,6 +5401,38 @@
             <a:r>
               <a:rPr lang="de-AT" sz="2400" dirty="0" err="1" smtClean="0"/>
               <a:t>maximum</a:t>
+            </a:r>
+            <a:r>
+              <a:rPr lang="de-AT" sz="2400" dirty="0" smtClean="0"/>
+              <a:t> </a:t>
+            </a:r>
+            <a:r>
+              <a:rPr lang="de-AT" sz="2400" dirty="0" err="1" smtClean="0"/>
+              <a:t>and</a:t>
+            </a:r>
+            <a:r>
+              <a:rPr lang="de-AT" sz="2400" dirty="0" smtClean="0"/>
+              <a:t> all </a:t>
+            </a:r>
+            <a:r>
+              <a:rPr lang="de-AT" sz="2400" dirty="0" err="1" smtClean="0"/>
+              <a:t>others</a:t>
+            </a:r>
+            <a:r>
+              <a:rPr lang="de-AT" sz="2400" dirty="0" smtClean="0"/>
+              <a:t> </a:t>
+            </a:r>
+            <a:r>
+              <a:rPr lang="de-AT" sz="2400" dirty="0" err="1" smtClean="0"/>
+              <a:t>to</a:t>
+            </a:r>
+            <a:r>
+              <a:rPr lang="de-AT" sz="2400" dirty="0" smtClean="0"/>
+              <a:t> </a:t>
+            </a:r>
+            <a:r>
+              <a:rPr lang="de-AT" sz="2400" dirty="0" err="1" smtClean="0"/>
+              <a:t>minimum</a:t>
             </a:r>
             <a:endParaRPr lang="de-AT" sz="2400" dirty="0" smtClean="0"/>
           </a:p>
@@ -5539,6 +5638,13 @@
   <p:clrMapOvr>
     <a:masterClrMapping/>
   </p:clrMapOvr>
+  <p:timing>
+    <p:tnLst>
+      <p:par>
+        <p:cTn id="1" dur="indefinite" restart="never" nodeType="tmRoot"/>
+      </p:par>
+    </p:tnLst>
+  </p:timing>
 </p:sld>
 </file>
 

--- a/presentation/final_presentation_group_velopt.pptx
+++ b/presentation/final_presentation_group_velopt.pptx
@@ -4544,8 +4544,8 @@
           </p:sp>
         </mc:Fallback>
       </mc:AlternateContent>
-      <mc:AlternateContent xmlns:mc="http://schemas.openxmlformats.org/markup-compatibility/2006">
-        <mc:Choice xmlns:a14="http://schemas.microsoft.com/office/drawing/2010/main" Requires="a14">
+      <mc:AlternateContent xmlns:mc="http://schemas.openxmlformats.org/markup-compatibility/2006" xmlns:a14="http://schemas.microsoft.com/office/drawing/2010/main">
+        <mc:Choice Requires="a14">
           <p:sp>
             <p:nvSpPr>
               <p:cNvPr id="11" name="Inhaltsplatzhalter 5"/>
@@ -4945,7 +4945,7 @@
             </p:txBody>
           </p:sp>
         </mc:Choice>
-        <mc:Fallback>
+        <mc:Fallback xmlns="">
           <p:sp>
             <p:nvSpPr>
               <p:cNvPr id="11" name="Inhaltsplatzhalter 5"/>
